--- a/doc/Nimbus_figures.pptx
+++ b/doc/Nimbus_figures.pptx
@@ -243,7 +243,7 @@
           <a:p>
             <a:fld id="{61C57EE3-EA2E-49D2-A82F-7C7F80BFA342}" type="datetimeFigureOut">
               <a:rPr lang="en-US" smtClean="0"/>
-              <a:t>5/13/2025</a:t>
+              <a:t>8/1/2025</a:t>
             </a:fld>
             <a:endParaRPr lang="en-US"/>
           </a:p>
@@ -413,7 +413,7 @@
           <a:p>
             <a:fld id="{61C57EE3-EA2E-49D2-A82F-7C7F80BFA342}" type="datetimeFigureOut">
               <a:rPr lang="en-US" smtClean="0"/>
-              <a:t>5/13/2025</a:t>
+              <a:t>8/1/2025</a:t>
             </a:fld>
             <a:endParaRPr lang="en-US"/>
           </a:p>
@@ -593,7 +593,7 @@
           <a:p>
             <a:fld id="{61C57EE3-EA2E-49D2-A82F-7C7F80BFA342}" type="datetimeFigureOut">
               <a:rPr lang="en-US" smtClean="0"/>
-              <a:t>5/13/2025</a:t>
+              <a:t>8/1/2025</a:t>
             </a:fld>
             <a:endParaRPr lang="en-US"/>
           </a:p>
@@ -763,7 +763,7 @@
           <a:p>
             <a:fld id="{61C57EE3-EA2E-49D2-A82F-7C7F80BFA342}" type="datetimeFigureOut">
               <a:rPr lang="en-US" smtClean="0"/>
-              <a:t>5/13/2025</a:t>
+              <a:t>8/1/2025</a:t>
             </a:fld>
             <a:endParaRPr lang="en-US"/>
           </a:p>
@@ -1009,7 +1009,7 @@
           <a:p>
             <a:fld id="{61C57EE3-EA2E-49D2-A82F-7C7F80BFA342}" type="datetimeFigureOut">
               <a:rPr lang="en-US" smtClean="0"/>
-              <a:t>5/13/2025</a:t>
+              <a:t>8/1/2025</a:t>
             </a:fld>
             <a:endParaRPr lang="en-US"/>
           </a:p>
@@ -1241,7 +1241,7 @@
           <a:p>
             <a:fld id="{61C57EE3-EA2E-49D2-A82F-7C7F80BFA342}" type="datetimeFigureOut">
               <a:rPr lang="en-US" smtClean="0"/>
-              <a:t>5/13/2025</a:t>
+              <a:t>8/1/2025</a:t>
             </a:fld>
             <a:endParaRPr lang="en-US"/>
           </a:p>
@@ -1608,7 +1608,7 @@
           <a:p>
             <a:fld id="{61C57EE3-EA2E-49D2-A82F-7C7F80BFA342}" type="datetimeFigureOut">
               <a:rPr lang="en-US" smtClean="0"/>
-              <a:t>5/13/2025</a:t>
+              <a:t>8/1/2025</a:t>
             </a:fld>
             <a:endParaRPr lang="en-US"/>
           </a:p>
@@ -1726,7 +1726,7 @@
           <a:p>
             <a:fld id="{61C57EE3-EA2E-49D2-A82F-7C7F80BFA342}" type="datetimeFigureOut">
               <a:rPr lang="en-US" smtClean="0"/>
-              <a:t>5/13/2025</a:t>
+              <a:t>8/1/2025</a:t>
             </a:fld>
             <a:endParaRPr lang="en-US"/>
           </a:p>
@@ -1821,7 +1821,7 @@
           <a:p>
             <a:fld id="{61C57EE3-EA2E-49D2-A82F-7C7F80BFA342}" type="datetimeFigureOut">
               <a:rPr lang="en-US" smtClean="0"/>
-              <a:t>5/13/2025</a:t>
+              <a:t>8/1/2025</a:t>
             </a:fld>
             <a:endParaRPr lang="en-US"/>
           </a:p>
@@ -2098,7 +2098,7 @@
           <a:p>
             <a:fld id="{61C57EE3-EA2E-49D2-A82F-7C7F80BFA342}" type="datetimeFigureOut">
               <a:rPr lang="en-US" smtClean="0"/>
-              <a:t>5/13/2025</a:t>
+              <a:t>8/1/2025</a:t>
             </a:fld>
             <a:endParaRPr lang="en-US"/>
           </a:p>
@@ -2351,7 +2351,7 @@
           <a:p>
             <a:fld id="{61C57EE3-EA2E-49D2-A82F-7C7F80BFA342}" type="datetimeFigureOut">
               <a:rPr lang="en-US" smtClean="0"/>
-              <a:t>5/13/2025</a:t>
+              <a:t>8/1/2025</a:t>
             </a:fld>
             <a:endParaRPr lang="en-US"/>
           </a:p>
@@ -2564,7 +2564,7 @@
           <a:p>
             <a:fld id="{61C57EE3-EA2E-49D2-A82F-7C7F80BFA342}" type="datetimeFigureOut">
               <a:rPr lang="en-US" smtClean="0"/>
-              <a:t>5/13/2025</a:t>
+              <a:t>8/1/2025</a:t>
             </a:fld>
             <a:endParaRPr lang="en-US"/>
           </a:p>
@@ -2977,13 +2977,18 @@
         </p:nvSpPr>
         <p:spPr>
           <a:xfrm>
-            <a:off x="6828840" y="2256503"/>
+            <a:off x="3598943" y="1907121"/>
             <a:ext cx="4085303" cy="3746091"/>
           </a:xfrm>
           <a:prstGeom prst="ellipse">
             <a:avLst/>
           </a:prstGeom>
           <a:noFill/>
+          <a:ln>
+            <a:solidFill>
+              <a:schemeClr val="tx1"/>
+            </a:solidFill>
+          </a:ln>
         </p:spPr>
         <p:style>
           <a:lnRef idx="2">
@@ -3018,7 +3023,7 @@
         </p:nvSpPr>
         <p:spPr>
           <a:xfrm>
-            <a:off x="9365225" y="2905433"/>
+            <a:off x="6135328" y="2556051"/>
             <a:ext cx="412955" cy="398206"/>
           </a:xfrm>
           <a:prstGeom prst="smileyFace">
@@ -3058,7 +3063,7 @@
         </p:nvSpPr>
         <p:spPr>
           <a:xfrm>
-            <a:off x="7226709" y="3598607"/>
+            <a:off x="3996812" y="3249225"/>
             <a:ext cx="412955" cy="398206"/>
           </a:xfrm>
           <a:prstGeom prst="smileyFace">
@@ -3104,7 +3109,7 @@
         </p:nvSpPr>
         <p:spPr>
           <a:xfrm>
-            <a:off x="8141109" y="5117690"/>
+            <a:off x="4911212" y="4768308"/>
             <a:ext cx="412955" cy="398206"/>
           </a:xfrm>
           <a:prstGeom prst="smileyFace">
@@ -3150,7 +3155,7 @@
         </p:nvSpPr>
         <p:spPr>
           <a:xfrm>
-            <a:off x="10068278" y="4459982"/>
+            <a:off x="6838381" y="4110600"/>
             <a:ext cx="412955" cy="398206"/>
           </a:xfrm>
           <a:prstGeom prst="smileyFace">
@@ -3193,13 +3198,18 @@
         </p:nvSpPr>
         <p:spPr>
           <a:xfrm>
-            <a:off x="7617542" y="3996813"/>
+            <a:off x="4387645" y="3647431"/>
             <a:ext cx="412955" cy="398207"/>
           </a:xfrm>
           <a:prstGeom prst="lightningBolt">
             <a:avLst/>
           </a:prstGeom>
           <a:noFill/>
+          <a:ln>
+            <a:solidFill>
+              <a:schemeClr val="tx1"/>
+            </a:solidFill>
+          </a:ln>
         </p:spPr>
         <p:style>
           <a:lnRef idx="2">
@@ -3234,13 +3244,18 @@
         </p:nvSpPr>
         <p:spPr>
           <a:xfrm rot="17631979">
-            <a:off x="7824020" y="3451121"/>
+            <a:off x="4594123" y="3101739"/>
             <a:ext cx="412955" cy="398207"/>
           </a:xfrm>
           <a:prstGeom prst="lightningBolt">
             <a:avLst/>
           </a:prstGeom>
           <a:noFill/>
+          <a:ln>
+            <a:solidFill>
+              <a:schemeClr val="tx1"/>
+            </a:solidFill>
+          </a:ln>
         </p:spPr>
         <p:style>
           <a:lnRef idx="2">
@@ -3275,13 +3290,18 @@
         </p:nvSpPr>
         <p:spPr>
           <a:xfrm rot="2791274">
-            <a:off x="9296698" y="3443672"/>
+            <a:off x="6066801" y="3094290"/>
             <a:ext cx="412955" cy="398207"/>
           </a:xfrm>
           <a:prstGeom prst="lightningBolt">
             <a:avLst/>
           </a:prstGeom>
           <a:noFill/>
+          <a:ln>
+            <a:solidFill>
+              <a:schemeClr val="tx1"/>
+            </a:solidFill>
+          </a:ln>
         </p:spPr>
         <p:style>
           <a:lnRef idx="2">
@@ -3316,13 +3336,18 @@
         </p:nvSpPr>
         <p:spPr>
           <a:xfrm rot="5743892">
-            <a:off x="8883743" y="3160942"/>
+            <a:off x="5653846" y="2811560"/>
             <a:ext cx="412955" cy="398207"/>
           </a:xfrm>
           <a:prstGeom prst="lightningBolt">
             <a:avLst/>
           </a:prstGeom>
           <a:noFill/>
+          <a:ln>
+            <a:solidFill>
+              <a:schemeClr val="tx1"/>
+            </a:solidFill>
+          </a:ln>
         </p:spPr>
         <p:style>
           <a:lnRef idx="2">
@@ -3357,13 +3382,18 @@
         </p:nvSpPr>
         <p:spPr>
           <a:xfrm rot="15908989">
-            <a:off x="8574707" y="4865965"/>
+            <a:off x="5344810" y="4516583"/>
             <a:ext cx="402783" cy="394114"/>
           </a:xfrm>
           <a:prstGeom prst="lightningBolt">
             <a:avLst/>
           </a:prstGeom>
           <a:noFill/>
+          <a:ln>
+            <a:solidFill>
+              <a:schemeClr val="tx1"/>
+            </a:solidFill>
+          </a:ln>
         </p:spPr>
         <p:style>
           <a:lnRef idx="2">
@@ -3398,13 +3428,18 @@
         </p:nvSpPr>
         <p:spPr>
           <a:xfrm rot="12732397">
-            <a:off x="8094441" y="4621771"/>
+            <a:off x="4864544" y="4272389"/>
             <a:ext cx="402783" cy="394114"/>
           </a:xfrm>
           <a:prstGeom prst="lightningBolt">
             <a:avLst/>
           </a:prstGeom>
           <a:noFill/>
+          <a:ln>
+            <a:solidFill>
+              <a:schemeClr val="tx1"/>
+            </a:solidFill>
+          </a:ln>
         </p:spPr>
         <p:style>
           <a:lnRef idx="2">
@@ -3439,13 +3474,18 @@
         </p:nvSpPr>
         <p:spPr>
           <a:xfrm rot="11713418">
-            <a:off x="9861799" y="4037771"/>
+            <a:off x="6631902" y="3688389"/>
             <a:ext cx="412955" cy="398207"/>
           </a:xfrm>
           <a:prstGeom prst="lightningBolt">
             <a:avLst/>
           </a:prstGeom>
           <a:noFill/>
+          <a:ln>
+            <a:solidFill>
+              <a:schemeClr val="tx1"/>
+            </a:solidFill>
+          </a:ln>
         </p:spPr>
         <p:style>
           <a:lnRef idx="2">
@@ -3480,13 +3520,18 @@
         </p:nvSpPr>
         <p:spPr>
           <a:xfrm rot="6370525">
-            <a:off x="9560566" y="4459982"/>
+            <a:off x="6330669" y="4110600"/>
             <a:ext cx="412955" cy="398207"/>
           </a:xfrm>
           <a:prstGeom prst="lightningBolt">
             <a:avLst/>
           </a:prstGeom>
           <a:noFill/>
+          <a:ln>
+            <a:solidFill>
+              <a:schemeClr val="tx1"/>
+            </a:solidFill>
+          </a:ln>
         </p:spPr>
         <p:style>
           <a:lnRef idx="2">
@@ -3521,7 +3566,7 @@
         </p:nvSpPr>
         <p:spPr>
           <a:xfrm>
-            <a:off x="7189503" y="3273443"/>
+            <a:off x="3959606" y="2924061"/>
             <a:ext cx="317716" cy="369332"/>
           </a:xfrm>
           <a:prstGeom prst="rect">
@@ -3551,7 +3596,7 @@
         </p:nvSpPr>
         <p:spPr>
           <a:xfrm>
-            <a:off x="9283788" y="2610151"/>
+            <a:off x="6053891" y="2260769"/>
             <a:ext cx="309700" cy="369332"/>
           </a:xfrm>
           <a:prstGeom prst="rect">
@@ -3581,7 +3626,7 @@
         </p:nvSpPr>
         <p:spPr>
           <a:xfrm>
-            <a:off x="10274755" y="4195916"/>
+            <a:off x="7044858" y="3846534"/>
             <a:ext cx="308098" cy="369332"/>
           </a:xfrm>
           <a:prstGeom prst="rect">
@@ -3611,7 +3656,7 @@
         </p:nvSpPr>
         <p:spPr>
           <a:xfrm>
-            <a:off x="8448764" y="5456808"/>
+            <a:off x="5218867" y="5107426"/>
             <a:ext cx="327334" cy="369332"/>
           </a:xfrm>
           <a:prstGeom prst="rect">
@@ -3641,13 +3686,18 @@
         </p:nvSpPr>
         <p:spPr>
           <a:xfrm>
-            <a:off x="1165123" y="1297858"/>
-            <a:ext cx="5245502" cy="4528281"/>
+            <a:off x="2138843" y="892174"/>
+            <a:ext cx="7078846" cy="5908719"/>
           </a:xfrm>
           <a:prstGeom prst="cloud">
             <a:avLst/>
           </a:prstGeom>
           <a:noFill/>
+          <a:ln>
+            <a:solidFill>
+              <a:schemeClr val="tx1"/>
+            </a:solidFill>
+          </a:ln>
         </p:spPr>
         <p:style>
           <a:lnRef idx="2">
@@ -3676,14 +3726,14 @@
       </p:sp>
       <p:sp>
         <p:nvSpPr>
-          <p:cNvPr id="25" name="TextBox 24"/>
+          <p:cNvPr id="27" name="TextBox 26"/>
           <p:cNvSpPr txBox="1"/>
           <p:nvPr/>
         </p:nvSpPr>
         <p:spPr>
           <a:xfrm>
-            <a:off x="3986169" y="2238836"/>
-            <a:ext cx="951864" cy="369332"/>
+            <a:off x="4550030" y="2224523"/>
+            <a:ext cx="1337674" cy="369332"/>
           </a:xfrm>
           <a:prstGeom prst="rect">
             <a:avLst/>
@@ -3698,7 +3748,11 @@
           <a:p>
             <a:r>
               <a:rPr lang="en-US" dirty="0" smtClean="0"/>
-              <a:t>PROFILE</a:t>
+              <a:t>LOCAL </a:t>
+            </a:r>
+            <a:r>
+              <a:rPr lang="en-US" dirty="0" smtClean="0"/>
+              <a:t>AREA</a:t>
             </a:r>
             <a:endParaRPr lang="en-US" dirty="0"/>
           </a:p>
@@ -3706,24 +3760,86 @@
       </p:sp>
       <p:sp>
         <p:nvSpPr>
-          <p:cNvPr id="26" name="Right Arrow 25"/>
+          <p:cNvPr id="28" name="TextBox 27"/>
+          <p:cNvSpPr txBox="1"/>
+          <p:nvPr/>
+        </p:nvSpPr>
+        <p:spPr>
+          <a:xfrm>
+            <a:off x="3460405" y="1855191"/>
+            <a:ext cx="949362" cy="369332"/>
+          </a:xfrm>
+          <a:prstGeom prst="rect">
+            <a:avLst/>
+          </a:prstGeom>
+          <a:noFill/>
+        </p:spPr>
+        <p:txBody>
+          <a:bodyPr wrap="none" rtlCol="0">
+            <a:spAutoFit/>
+          </a:bodyPr>
+          <a:lstStyle/>
+          <a:p>
+            <a:r>
+              <a:rPr lang="en-US" dirty="0" smtClean="0"/>
+              <a:t>SERVICE</a:t>
+            </a:r>
+            <a:endParaRPr lang="en-US" dirty="0"/>
+          </a:p>
+        </p:txBody>
+      </p:sp>
+      <p:sp>
+        <p:nvSpPr>
+          <p:cNvPr id="29" name="TextBox 28"/>
+          <p:cNvSpPr txBox="1"/>
+          <p:nvPr/>
+        </p:nvSpPr>
+        <p:spPr>
+          <a:xfrm>
+            <a:off x="5388893" y="2662130"/>
+            <a:ext cx="385042" cy="369332"/>
+          </a:xfrm>
+          <a:prstGeom prst="rect">
+            <a:avLst/>
+          </a:prstGeom>
+          <a:noFill/>
+        </p:spPr>
+        <p:txBody>
+          <a:bodyPr wrap="none" rtlCol="0">
+            <a:spAutoFit/>
+          </a:bodyPr>
+          <a:lstStyle/>
+          <a:p>
+            <a:r>
+              <a:rPr lang="en-US" dirty="0" smtClean="0"/>
+              <a:t>ID</a:t>
+            </a:r>
+            <a:endParaRPr lang="en-US" dirty="0"/>
+          </a:p>
+        </p:txBody>
+      </p:sp>
+      <p:sp>
+        <p:nvSpPr>
+          <p:cNvPr id="2" name="Left-Right Arrow 1"/>
           <p:cNvSpPr/>
           <p:nvPr/>
         </p:nvSpPr>
         <p:spPr>
           <a:xfrm>
-            <a:off x="5141524" y="3777511"/>
-            <a:ext cx="1837315" cy="227915"/>
-          </a:xfrm>
-          <a:prstGeom prst="rightArrow">
+            <a:off x="2711391" y="3371899"/>
+            <a:ext cx="1216152" cy="208321"/>
+          </a:xfrm>
+          <a:prstGeom prst="leftRightArrow">
             <a:avLst/>
           </a:prstGeom>
           <a:solidFill>
-            <a:schemeClr val="accent1">
-              <a:lumMod val="40000"/>
-              <a:lumOff val="60000"/>
-            </a:schemeClr>
+            <a:schemeClr val="bg1"/>
           </a:solidFill>
+          <a:ln>
+            <a:solidFill>
+              <a:schemeClr val="tx1"/>
+            </a:solidFill>
+          </a:ln>
         </p:spPr>
         <p:style>
           <a:lnRef idx="2">
@@ -3752,118 +3868,27 @@
       </p:sp>
       <p:sp>
         <p:nvSpPr>
-          <p:cNvPr id="27" name="TextBox 26"/>
-          <p:cNvSpPr txBox="1"/>
+          <p:cNvPr id="9" name="Oval Callout 8"/>
+          <p:cNvSpPr/>
           <p:nvPr/>
         </p:nvSpPr>
         <p:spPr>
           <a:xfrm>
-            <a:off x="7931389" y="1855691"/>
-            <a:ext cx="1676293" cy="369332"/>
-          </a:xfrm>
-          <a:prstGeom prst="rect">
-            <a:avLst/>
+            <a:off x="7352956" y="1855192"/>
+            <a:ext cx="989696" cy="405578"/>
+          </a:xfrm>
+          <a:prstGeom prst="wedgeEllipseCallout">
+            <a:avLst>
+              <a:gd name="adj1" fmla="val -125804"/>
+              <a:gd name="adj2" fmla="val 143780"/>
+            </a:avLst>
           </a:prstGeom>
           <a:noFill/>
-        </p:spPr>
-        <p:txBody>
-          <a:bodyPr wrap="none" rtlCol="0">
-            <a:spAutoFit/>
-          </a:bodyPr>
-          <a:lstStyle/>
-          <a:p>
-            <a:r>
-              <a:rPr lang="en-US" dirty="0" smtClean="0"/>
-              <a:t>LOCAL </a:t>
-            </a:r>
-            <a:r>
-              <a:rPr lang="en-US" dirty="0" smtClean="0"/>
-              <a:t>ACTIVITY</a:t>
-            </a:r>
-            <a:endParaRPr lang="en-US" dirty="0"/>
-          </a:p>
-        </p:txBody>
-      </p:sp>
-      <p:sp>
-        <p:nvSpPr>
-          <p:cNvPr id="28" name="TextBox 27"/>
-          <p:cNvSpPr txBox="1"/>
-          <p:nvPr/>
-        </p:nvSpPr>
-        <p:spPr>
-          <a:xfrm>
-            <a:off x="3158880" y="937252"/>
-            <a:ext cx="1114408" cy="369332"/>
-          </a:xfrm>
-          <a:prstGeom prst="rect">
-            <a:avLst/>
-          </a:prstGeom>
-          <a:noFill/>
-        </p:spPr>
-        <p:txBody>
-          <a:bodyPr wrap="none" rtlCol="0">
-            <a:spAutoFit/>
-          </a:bodyPr>
-          <a:lstStyle/>
-          <a:p>
-            <a:r>
-              <a:rPr lang="en-US" dirty="0" smtClean="0"/>
-              <a:t>INTERNET</a:t>
-            </a:r>
-            <a:endParaRPr lang="en-US" dirty="0"/>
-          </a:p>
-        </p:txBody>
-      </p:sp>
-      <p:sp>
-        <p:nvSpPr>
-          <p:cNvPr id="29" name="TextBox 28"/>
-          <p:cNvSpPr txBox="1"/>
-          <p:nvPr/>
-        </p:nvSpPr>
-        <p:spPr>
-          <a:xfrm>
-            <a:off x="8618790" y="3011512"/>
-            <a:ext cx="385042" cy="369332"/>
-          </a:xfrm>
-          <a:prstGeom prst="rect">
-            <a:avLst/>
-          </a:prstGeom>
-          <a:noFill/>
-        </p:spPr>
-        <p:txBody>
-          <a:bodyPr wrap="none" rtlCol="0">
-            <a:spAutoFit/>
-          </a:bodyPr>
-          <a:lstStyle/>
-          <a:p>
-            <a:r>
-              <a:rPr lang="en-US" dirty="0" smtClean="0"/>
-              <a:t>ID</a:t>
-            </a:r>
-            <a:endParaRPr lang="en-US" dirty="0"/>
-          </a:p>
-        </p:txBody>
-      </p:sp>
-      <p:sp>
-        <p:nvSpPr>
-          <p:cNvPr id="30" name="Right Arrow 29"/>
-          <p:cNvSpPr/>
-          <p:nvPr/>
-        </p:nvSpPr>
-        <p:spPr>
-          <a:xfrm rot="11551631">
-            <a:off x="5149648" y="3370771"/>
-            <a:ext cx="1837315" cy="227915"/>
-          </a:xfrm>
-          <a:prstGeom prst="rightArrow">
-            <a:avLst/>
-          </a:prstGeom>
-          <a:solidFill>
-            <a:schemeClr val="accent1">
-              <a:lumMod val="40000"/>
-              <a:lumOff val="60000"/>
-            </a:schemeClr>
-          </a:solidFill>
+          <a:ln>
+            <a:solidFill>
+              <a:schemeClr val="tx1"/>
+            </a:solidFill>
+          </a:ln>
         </p:spPr>
         <p:style>
           <a:lnRef idx="2">
@@ -3886,64 +3911,168 @@
           <a:lstStyle/>
           <a:p>
             <a:pPr algn="ctr"/>
-            <a:endParaRPr lang="en-US"/>
-          </a:p>
-        </p:txBody>
-      </p:sp>
-      <p:sp>
-        <p:nvSpPr>
-          <p:cNvPr id="31" name="TextBox 30"/>
-          <p:cNvSpPr txBox="1"/>
+            <a:r>
+              <a:rPr lang="en-US" sz="1400" dirty="0" smtClean="0">
+                <a:solidFill>
+                  <a:schemeClr val="tx1"/>
+                </a:solidFill>
+              </a:rPr>
+              <a:t>AGENT</a:t>
+            </a:r>
+            <a:endParaRPr lang="en-US" sz="1400" dirty="0">
+              <a:solidFill>
+                <a:schemeClr val="tx1"/>
+              </a:solidFill>
+            </a:endParaRPr>
+          </a:p>
+        </p:txBody>
+      </p:sp>
+      <p:sp>
+        <p:nvSpPr>
+          <p:cNvPr id="32" name="Oval Callout 31"/>
+          <p:cNvSpPr/>
           <p:nvPr/>
         </p:nvSpPr>
         <p:spPr>
           <a:xfrm>
-            <a:off x="6456235" y="3203192"/>
-            <a:ext cx="385042" cy="369332"/>
-          </a:xfrm>
-          <a:prstGeom prst="rect">
-            <a:avLst/>
+            <a:off x="1519084" y="4563474"/>
+            <a:ext cx="2193467" cy="731197"/>
+          </a:xfrm>
+          <a:prstGeom prst="wedgeEllipseCallout">
+            <a:avLst>
+              <a:gd name="adj1" fmla="val 103598"/>
+              <a:gd name="adj2" fmla="val -59518"/>
+            </a:avLst>
+          </a:prstGeom>
+          <a:solidFill>
+            <a:schemeClr val="bg1"/>
+          </a:solidFill>
+          <a:ln>
+            <a:solidFill>
+              <a:schemeClr val="tx1"/>
+            </a:solidFill>
+          </a:ln>
+        </p:spPr>
+        <p:style>
+          <a:lnRef idx="2">
+            <a:schemeClr val="accent1">
+              <a:shade val="50000"/>
+            </a:schemeClr>
+          </a:lnRef>
+          <a:fillRef idx="1">
+            <a:schemeClr val="accent1"/>
+          </a:fillRef>
+          <a:effectRef idx="0">
+            <a:schemeClr val="accent1"/>
+          </a:effectRef>
+          <a:fontRef idx="minor">
+            <a:schemeClr val="lt1"/>
+          </a:fontRef>
+        </p:style>
+        <p:txBody>
+          <a:bodyPr rtlCol="0" anchor="ctr"/>
+          <a:lstStyle/>
+          <a:p>
+            <a:pPr algn="ctr"/>
+            <a:r>
+              <a:rPr lang="en-US" sz="1400" dirty="0" smtClean="0">
+                <a:solidFill>
+                  <a:schemeClr val="tx1"/>
+                </a:solidFill>
+              </a:rPr>
+              <a:t>CLOSE RANGE</a:t>
+            </a:r>
+          </a:p>
+          <a:p>
+            <a:pPr algn="ctr"/>
+            <a:r>
+              <a:rPr lang="en-US" sz="1400" dirty="0" smtClean="0">
+                <a:solidFill>
+                  <a:schemeClr val="tx1"/>
+                </a:solidFill>
+              </a:rPr>
+              <a:t>COMMUNICATION</a:t>
+            </a:r>
+            <a:endParaRPr lang="en-US" sz="1400" dirty="0">
+              <a:solidFill>
+                <a:schemeClr val="tx1"/>
+              </a:solidFill>
+            </a:endParaRPr>
+          </a:p>
+        </p:txBody>
+      </p:sp>
+      <p:sp>
+        <p:nvSpPr>
+          <p:cNvPr id="33" name="Oval Callout 32"/>
+          <p:cNvSpPr/>
+          <p:nvPr/>
+        </p:nvSpPr>
+        <p:spPr>
+          <a:xfrm>
+            <a:off x="770316" y="1907121"/>
+            <a:ext cx="1737997" cy="534317"/>
+          </a:xfrm>
+          <a:prstGeom prst="wedgeEllipseCallout">
+            <a:avLst>
+              <a:gd name="adj1" fmla="val 87191"/>
+              <a:gd name="adj2" fmla="val 204505"/>
+            </a:avLst>
           </a:prstGeom>
           <a:noFill/>
-        </p:spPr>
-        <p:txBody>
-          <a:bodyPr wrap="none" rtlCol="0">
-            <a:spAutoFit/>
-          </a:bodyPr>
-          <a:lstStyle/>
-          <a:p>
-            <a:r>
-              <a:rPr lang="en-US" dirty="0" smtClean="0"/>
-              <a:t>ID</a:t>
-            </a:r>
-            <a:endParaRPr lang="en-US" dirty="0"/>
-          </a:p>
-        </p:txBody>
-      </p:sp>
-      <p:pic>
-        <p:nvPicPr>
-          <p:cNvPr id="3" name="Picture 2"/>
-          <p:cNvPicPr>
-            <a:picLocks noChangeAspect="1"/>
-          </p:cNvPicPr>
-          <p:nvPr/>
-        </p:nvPicPr>
-        <p:blipFill>
-          <a:blip r:embed="rId2"/>
-          <a:stretch>
-            <a:fillRect/>
-          </a:stretch>
-        </p:blipFill>
-        <p:spPr>
-          <a:xfrm>
-            <a:off x="3716084" y="2629523"/>
-            <a:ext cx="1492034" cy="2041402"/>
-          </a:xfrm>
-          <a:prstGeom prst="rect">
-            <a:avLst/>
-          </a:prstGeom>
-        </p:spPr>
-      </p:pic>
+          <a:ln>
+            <a:solidFill>
+              <a:schemeClr val="tx1"/>
+            </a:solidFill>
+          </a:ln>
+        </p:spPr>
+        <p:style>
+          <a:lnRef idx="2">
+            <a:schemeClr val="accent1">
+              <a:shade val="50000"/>
+            </a:schemeClr>
+          </a:lnRef>
+          <a:fillRef idx="1">
+            <a:schemeClr val="accent1"/>
+          </a:fillRef>
+          <a:effectRef idx="0">
+            <a:schemeClr val="accent1"/>
+          </a:effectRef>
+          <a:fontRef idx="minor">
+            <a:schemeClr val="lt1"/>
+          </a:fontRef>
+        </p:style>
+        <p:txBody>
+          <a:bodyPr rtlCol="0" anchor="ctr"/>
+          <a:lstStyle/>
+          <a:p>
+            <a:pPr algn="ctr"/>
+            <a:r>
+              <a:rPr lang="en-US" sz="1400" dirty="0" smtClean="0">
+                <a:solidFill>
+                  <a:schemeClr val="tx1"/>
+                </a:solidFill>
+              </a:rPr>
+              <a:t>SERVICE</a:t>
+            </a:r>
+          </a:p>
+          <a:p>
+            <a:pPr algn="ctr"/>
+            <a:r>
+              <a:rPr lang="en-US" sz="1400" dirty="0" smtClean="0">
+                <a:solidFill>
+                  <a:schemeClr val="tx1"/>
+                </a:solidFill>
+              </a:rPr>
+              <a:t>INVOCATION</a:t>
+            </a:r>
+            <a:endParaRPr lang="en-US" sz="1400" dirty="0">
+              <a:solidFill>
+                <a:schemeClr val="tx1"/>
+              </a:solidFill>
+            </a:endParaRPr>
+          </a:p>
+        </p:txBody>
+      </p:sp>
     </p:spTree>
     <p:extLst>
       <p:ext uri="{BB962C8B-B14F-4D97-AF65-F5344CB8AC3E}">

--- a/doc/Nimbus_figures.pptx
+++ b/doc/Nimbus_figures.pptx
@@ -243,7 +243,7 @@
           <a:p>
             <a:fld id="{61C57EE3-EA2E-49D2-A82F-7C7F80BFA342}" type="datetimeFigureOut">
               <a:rPr lang="en-US" smtClean="0"/>
-              <a:t>8/1/2025</a:t>
+              <a:t>8/5/2025</a:t>
             </a:fld>
             <a:endParaRPr lang="en-US"/>
           </a:p>
@@ -413,7 +413,7 @@
           <a:p>
             <a:fld id="{61C57EE3-EA2E-49D2-A82F-7C7F80BFA342}" type="datetimeFigureOut">
               <a:rPr lang="en-US" smtClean="0"/>
-              <a:t>8/1/2025</a:t>
+              <a:t>8/5/2025</a:t>
             </a:fld>
             <a:endParaRPr lang="en-US"/>
           </a:p>
@@ -593,7 +593,7 @@
           <a:p>
             <a:fld id="{61C57EE3-EA2E-49D2-A82F-7C7F80BFA342}" type="datetimeFigureOut">
               <a:rPr lang="en-US" smtClean="0"/>
-              <a:t>8/1/2025</a:t>
+              <a:t>8/5/2025</a:t>
             </a:fld>
             <a:endParaRPr lang="en-US"/>
           </a:p>
@@ -763,7 +763,7 @@
           <a:p>
             <a:fld id="{61C57EE3-EA2E-49D2-A82F-7C7F80BFA342}" type="datetimeFigureOut">
               <a:rPr lang="en-US" smtClean="0"/>
-              <a:t>8/1/2025</a:t>
+              <a:t>8/5/2025</a:t>
             </a:fld>
             <a:endParaRPr lang="en-US"/>
           </a:p>
@@ -1009,7 +1009,7 @@
           <a:p>
             <a:fld id="{61C57EE3-EA2E-49D2-A82F-7C7F80BFA342}" type="datetimeFigureOut">
               <a:rPr lang="en-US" smtClean="0"/>
-              <a:t>8/1/2025</a:t>
+              <a:t>8/5/2025</a:t>
             </a:fld>
             <a:endParaRPr lang="en-US"/>
           </a:p>
@@ -1241,7 +1241,7 @@
           <a:p>
             <a:fld id="{61C57EE3-EA2E-49D2-A82F-7C7F80BFA342}" type="datetimeFigureOut">
               <a:rPr lang="en-US" smtClean="0"/>
-              <a:t>8/1/2025</a:t>
+              <a:t>8/5/2025</a:t>
             </a:fld>
             <a:endParaRPr lang="en-US"/>
           </a:p>
@@ -1608,7 +1608,7 @@
           <a:p>
             <a:fld id="{61C57EE3-EA2E-49D2-A82F-7C7F80BFA342}" type="datetimeFigureOut">
               <a:rPr lang="en-US" smtClean="0"/>
-              <a:t>8/1/2025</a:t>
+              <a:t>8/5/2025</a:t>
             </a:fld>
             <a:endParaRPr lang="en-US"/>
           </a:p>
@@ -1726,7 +1726,7 @@
           <a:p>
             <a:fld id="{61C57EE3-EA2E-49D2-A82F-7C7F80BFA342}" type="datetimeFigureOut">
               <a:rPr lang="en-US" smtClean="0"/>
-              <a:t>8/1/2025</a:t>
+              <a:t>8/5/2025</a:t>
             </a:fld>
             <a:endParaRPr lang="en-US"/>
           </a:p>
@@ -1821,7 +1821,7 @@
           <a:p>
             <a:fld id="{61C57EE3-EA2E-49D2-A82F-7C7F80BFA342}" type="datetimeFigureOut">
               <a:rPr lang="en-US" smtClean="0"/>
-              <a:t>8/1/2025</a:t>
+              <a:t>8/5/2025</a:t>
             </a:fld>
             <a:endParaRPr lang="en-US"/>
           </a:p>
@@ -2098,7 +2098,7 @@
           <a:p>
             <a:fld id="{61C57EE3-EA2E-49D2-A82F-7C7F80BFA342}" type="datetimeFigureOut">
               <a:rPr lang="en-US" smtClean="0"/>
-              <a:t>8/1/2025</a:t>
+              <a:t>8/5/2025</a:t>
             </a:fld>
             <a:endParaRPr lang="en-US"/>
           </a:p>
@@ -2351,7 +2351,7 @@
           <a:p>
             <a:fld id="{61C57EE3-EA2E-49D2-A82F-7C7F80BFA342}" type="datetimeFigureOut">
               <a:rPr lang="en-US" smtClean="0"/>
-              <a:t>8/1/2025</a:t>
+              <a:t>8/5/2025</a:t>
             </a:fld>
             <a:endParaRPr lang="en-US"/>
           </a:p>
@@ -2564,7 +2564,7 @@
           <a:p>
             <a:fld id="{61C57EE3-EA2E-49D2-A82F-7C7F80BFA342}" type="datetimeFigureOut">
               <a:rPr lang="en-US" smtClean="0"/>
-              <a:t>8/1/2025</a:t>
+              <a:t>8/5/2025</a:t>
             </a:fld>
             <a:endParaRPr lang="en-US"/>
           </a:p>
@@ -3748,11 +3748,7 @@
           <a:p>
             <a:r>
               <a:rPr lang="en-US" dirty="0" smtClean="0"/>
-              <a:t>LOCAL </a:t>
-            </a:r>
-            <a:r>
-              <a:rPr lang="en-US" dirty="0" smtClean="0"/>
-              <a:t>AREA</a:t>
+              <a:t>LOCAL AREA</a:t>
             </a:r>
             <a:endParaRPr lang="en-US" dirty="0"/>
           </a:p>
@@ -3917,7 +3913,7 @@
                   <a:schemeClr val="tx1"/>
                 </a:solidFill>
               </a:rPr>
-              <a:t>AGENT</a:t>
+              <a:t>USER</a:t>
             </a:r>
             <a:endParaRPr lang="en-US" sz="1400" dirty="0">
               <a:solidFill>
